--- a/GroupC PPT/Tanisha Group C.pptx
+++ b/GroupC PPT/Tanisha Group C.pptx
@@ -4174,13 +4174,13 @@
       </p:sp>
       <p:pic>
         <p:nvPicPr>
-          <p:cNvPr id="4" name="Picture 4" descr="https://documents.lucidchart.com/documents/c00a70da-b4e8-4312-8bf0-1a6e0021fcca/pages/0_0?a=1180&amp;x=-3&amp;y=500&amp;w=506&amp;h=440&amp;store=1&amp;accept=image%2F*&amp;auth=LCA%203507b8d588b3169b762ba772f9b42bfb56a13051-ts%3D1568443540"/>
+          <p:cNvPr id="5" name="Picture 4" descr="Banking System Use Case Diagram.jpeg"/>
           <p:cNvPicPr>
-            <a:picLocks noChangeAspect="1" noChangeArrowheads="1"/>
+            <a:picLocks noChangeAspect="1"/>
           </p:cNvPicPr>
           <p:nvPr/>
         </p:nvPicPr>
-        <p:blipFill>
+        <p:blipFill rotWithShape="1">
           <a:blip r:embed="rId2">
             <a:extLst>
               <a:ext uri="{28A0092B-C50C-407E-A947-70E740481C1C}">
@@ -4188,40 +4188,28 @@
               </a:ext>
             </a:extLst>
           </a:blip>
-          <a:srcRect/>
-          <a:stretch>
-            <a:fillRect/>
-          </a:stretch>
+          <a:srcRect l="14271" t="1962" r="4674" b="2154"/>
+          <a:stretch/>
         </p:blipFill>
-        <p:spPr bwMode="auto">
+        <p:spPr>
           <a:xfrm>
-            <a:off x="551396" y="1653645"/>
-            <a:ext cx="3926615" cy="3409955"/>
+            <a:off x="5080182" y="366632"/>
+            <a:ext cx="3499431" cy="5735187"/>
           </a:xfrm>
           <a:prstGeom prst="rect">
             <a:avLst/>
           </a:prstGeom>
-          <a:noFill/>
-          <a:extLst>
-            <a:ext uri="{909E8E84-426E-40dd-AFC4-6F175D3DCCD1}">
-              <a14:hiddenFill xmlns:a14="http://schemas.microsoft.com/office/drawing/2010/main">
-                <a:solidFill>
-                  <a:srgbClr val="FFFFFF"/>
-                </a:solidFill>
-              </a14:hiddenFill>
-            </a:ext>
-          </a:extLst>
         </p:spPr>
       </p:pic>
       <p:pic>
         <p:nvPicPr>
-          <p:cNvPr id="6" name="Picture 8" descr="https://documents.lucidchart.com/documents/c00a70da-b4e8-4312-8bf0-1a6e0021fcca/pages/0_0?a=1185&amp;x=706&amp;y=150&amp;w=601&amp;h=1100&amp;store=1&amp;accept=image%2F*&amp;auth=LCA%204d5956956aed738fc68a6335c4fcaa08a8ba91ac-ts%3D1568443540"/>
+          <p:cNvPr id="7" name="Picture 6" descr="Inventory Management System Use Case Diagram - Use Case Diagram.jpeg"/>
           <p:cNvPicPr>
-            <a:picLocks noChangeAspect="1" noChangeArrowheads="1"/>
+            <a:picLocks noChangeAspect="1"/>
           </p:cNvPicPr>
           <p:nvPr/>
         </p:nvPicPr>
-        <p:blipFill rotWithShape="1">
+        <p:blipFill>
           <a:blip r:embed="rId3">
             <a:extLst>
               <a:ext uri="{28A0092B-C50C-407E-A947-70E740481C1C}">
@@ -4229,27 +4217,18 @@
               </a:ext>
             </a:extLst>
           </a:blip>
-          <a:srcRect t="4875" b="3465"/>
-          <a:stretch/>
+          <a:stretch>
+            <a:fillRect/>
+          </a:stretch>
         </p:blipFill>
-        <p:spPr bwMode="auto">
+        <p:spPr>
           <a:xfrm>
-            <a:off x="4461303" y="401078"/>
-            <a:ext cx="3944132" cy="5815617"/>
+            <a:off x="576340" y="1597472"/>
+            <a:ext cx="4185726" cy="3587765"/>
           </a:xfrm>
           <a:prstGeom prst="rect">
             <a:avLst/>
           </a:prstGeom>
-          <a:noFill/>
-          <a:extLst>
-            <a:ext uri="{909E8E84-426E-40dd-AFC4-6F175D3DCCD1}">
-              <a14:hiddenFill xmlns:a14="http://schemas.microsoft.com/office/drawing/2010/main">
-                <a:solidFill>
-                  <a:srgbClr val="FFFFFF"/>
-                </a:solidFill>
-              </a14:hiddenFill>
-            </a:ext>
-          </a:extLst>
         </p:spPr>
       </p:pic>
     </p:spTree>
@@ -4320,9 +4299,9 @@
       </p:sp>
       <p:pic>
         <p:nvPicPr>
-          <p:cNvPr id="3" name="Picture 4" descr="https://documents.lucidchart.com/documents/c00a70da-b4e8-4312-8bf0-1a6e0021fcca/pages/0_0?a=1185&amp;x=54&amp;y=1085&amp;w=578&amp;h=686&amp;store=1&amp;accept=image%2F*&amp;auth=LCA%20bcbba419d9938e698b3abdd4dd2a808ae7f1bd2b-ts%3D1568443540"/>
+          <p:cNvPr id="5" name="Picture 4" descr="Banking System Use Case Diagram (1).jpeg"/>
           <p:cNvPicPr>
-            <a:picLocks noChangeAspect="1" noChangeArrowheads="1"/>
+            <a:picLocks noChangeAspect="1"/>
           </p:cNvPicPr>
           <p:nvPr/>
         </p:nvPicPr>
@@ -4334,40 +4313,29 @@
               </a:ext>
             </a:extLst>
           </a:blip>
-          <a:srcRect/>
           <a:stretch>
             <a:fillRect/>
           </a:stretch>
         </p:blipFill>
-        <p:spPr bwMode="auto">
+        <p:spPr>
           <a:xfrm>
-            <a:off x="25016" y="548751"/>
-            <a:ext cx="4787176" cy="5693755"/>
+            <a:off x="150381" y="969270"/>
+            <a:ext cx="4544847" cy="4898130"/>
           </a:xfrm>
           <a:prstGeom prst="rect">
             <a:avLst/>
           </a:prstGeom>
-          <a:noFill/>
-          <a:extLst>
-            <a:ext uri="{909E8E84-426E-40dd-AFC4-6F175D3DCCD1}">
-              <a14:hiddenFill xmlns:a14="http://schemas.microsoft.com/office/drawing/2010/main">
-                <a:solidFill>
-                  <a:srgbClr val="FFFFFF"/>
-                </a:solidFill>
-              </a14:hiddenFill>
-            </a:ext>
-          </a:extLst>
         </p:spPr>
       </p:pic>
       <p:pic>
         <p:nvPicPr>
-          <p:cNvPr id="4" name="Picture 6" descr="https://documents.lucidchart.com/documents/c00a70da-b4e8-4312-8bf0-1a6e0021fcca/pages/0_0?a=1185&amp;x=713&amp;y=1180&amp;w=604&amp;h=587&amp;store=1&amp;accept=image%2F*&amp;auth=LCA%20643542e71595242d26cd8bf151e651e5fea84fd3-ts%3D1568443540"/>
+          <p:cNvPr id="6" name="Picture 5" descr="Banking System Use Case Diagram (2).jpeg"/>
           <p:cNvPicPr>
-            <a:picLocks noChangeAspect="1" noChangeArrowheads="1"/>
+            <a:picLocks noChangeAspect="1"/>
           </p:cNvPicPr>
           <p:nvPr/>
         </p:nvPicPr>
-        <p:blipFill rotWithShape="1">
+        <p:blipFill>
           <a:blip r:embed="rId3">
             <a:extLst>
               <a:ext uri="{28A0092B-C50C-407E-A947-70E740481C1C}">
@@ -4375,27 +4343,18 @@
               </a:ext>
             </a:extLst>
           </a:blip>
-          <a:srcRect t="2102"/>
-          <a:stretch/>
+          <a:stretch>
+            <a:fillRect/>
+          </a:stretch>
         </p:blipFill>
-        <p:spPr bwMode="auto">
+        <p:spPr>
           <a:xfrm>
-            <a:off x="4695229" y="1644470"/>
-            <a:ext cx="4448771" cy="4230262"/>
+            <a:off x="4695228" y="1270077"/>
+            <a:ext cx="4448772" cy="4133253"/>
           </a:xfrm>
           <a:prstGeom prst="rect">
             <a:avLst/>
           </a:prstGeom>
-          <a:noFill/>
-          <a:extLst>
-            <a:ext uri="{909E8E84-426E-40dd-AFC4-6F175D3DCCD1}">
-              <a14:hiddenFill xmlns:a14="http://schemas.microsoft.com/office/drawing/2010/main">
-                <a:solidFill>
-                  <a:srgbClr val="FFFFFF"/>
-                </a:solidFill>
-              </a14:hiddenFill>
-            </a:ext>
-          </a:extLst>
         </p:spPr>
       </p:pic>
     </p:spTree>
@@ -4466,7 +4425,7 @@
       </p:sp>
       <p:pic>
         <p:nvPicPr>
-          <p:cNvPr id="7" name="Picture 6" descr="Inventory Management System Use Case Diagram - Class Diagram (3).jpeg"/>
+          <p:cNvPr id="3" name="Picture 2" descr="Inventory Management System Use Case Diagram - Class Diagram (4).jpeg"/>
           <p:cNvPicPr>
             <a:picLocks noChangeAspect="1"/>
           </p:cNvPicPr>
@@ -4486,8 +4445,8 @@
         </p:blipFill>
         <p:spPr>
           <a:xfrm>
-            <a:off x="0" y="389244"/>
-            <a:ext cx="9144000" cy="5643624"/>
+            <a:off x="0" y="399698"/>
+            <a:ext cx="9144000" cy="5767592"/>
           </a:xfrm>
           <a:prstGeom prst="rect">
             <a:avLst/>
@@ -4563,7 +4522,7 @@
       </p:sp>
       <p:pic>
         <p:nvPicPr>
-          <p:cNvPr id="3" name="Picture 2" descr="Inventory Management System Use Case Diagram - Sequence Diagram 1.jpg"/>
+          <p:cNvPr id="5" name="Picture 4" descr="Inventory Management System Use Case Diagram - Sequence Diagram 1 (2).jpeg"/>
           <p:cNvPicPr>
             <a:picLocks noChangeAspect="1"/>
           </p:cNvPicPr>
@@ -4583,8 +4542,8 @@
         </p:blipFill>
         <p:spPr>
           <a:xfrm>
-            <a:off x="1" y="367654"/>
-            <a:ext cx="9144000" cy="5571010"/>
+            <a:off x="0" y="340445"/>
+            <a:ext cx="9144000" cy="5708998"/>
           </a:xfrm>
           <a:prstGeom prst="rect">
             <a:avLst/>
@@ -4660,7 +4619,7 @@
       </p:sp>
       <p:pic>
         <p:nvPicPr>
-          <p:cNvPr id="4" name="Picture 3" descr="Inventory Management System Use Case Diagram - Sequence Diagram 2.jpeg"/>
+          <p:cNvPr id="3" name="Picture 2" descr="Inventory Management System Use Case Diagram - Sequence Diagram 2 (1).jpeg"/>
           <p:cNvPicPr>
             <a:picLocks noChangeAspect="1"/>
           </p:cNvPicPr>
@@ -4680,8 +4639,8 @@
         </p:blipFill>
         <p:spPr>
           <a:xfrm>
-            <a:off x="0" y="551482"/>
-            <a:ext cx="8864542" cy="5359332"/>
+            <a:off x="22738" y="397395"/>
+            <a:ext cx="9121262" cy="5678237"/>
           </a:xfrm>
           <a:prstGeom prst="rect">
             <a:avLst/>
